--- a/Day32/Debug.pptx
+++ b/Day32/Debug.pptx
@@ -4130,7 +4130,27 @@
             </a:pPr>
             <a:r>
               <a:rPr lang="en-US"/>
-              <a:t>You’ve been banging your head on keyboard for hours while the bug just points at you with its fancy walking cane and laughs ironically, then tips its top hat derisively. You’re frustrated, bleary eyed, seeing things that aren’t really there. It’s time to step away from the computer. Take a walk. Talk to a buddy. Describe the problem, whiteboard it. Maybe talking about the issue will trigger something new to try, or your buddy will catch something you missed.</a:t>
+              <a:t>You’ve been banging your head on keyboard for hours while the bug just points at you with its fancy walking cane and laughs ironically, then tips its top hat derisively. </a:t>
+            </a:r>
+            <a:r>
+              <a:rPr lang="en-US">
+                <a:solidFill>
+                  <a:srgbClr val="FF0000"/>
+                </a:solidFill>
+              </a:rPr>
+              <a:t>You’re frustrated, bleary eyed, seeing things that aren’t really there. </a:t>
+            </a:r>
+            <a:r>
+              <a:rPr lang="en-US">
+                <a:solidFill>
+                  <a:schemeClr val="tx1"/>
+                </a:solidFill>
+              </a:rPr>
+              <a:t>It’s time to step away from the computer</a:t>
+            </a:r>
+            <a:r>
+              <a:rPr lang="en-US"/>
+              <a:t>. Take a walk. Talk to a buddy. Describe the problem, whiteboard it. Maybe talking about the issue will trigger something new to try, or your buddy will catch something you missed.</a:t>
             </a:r>
             <a:endParaRPr lang="en-US"/>
           </a:p>
